--- a/lectures/Lect01_IntroML.pptx
+++ b/lectures/Lect01_IntroML.pptx
@@ -233,7 +233,7 @@
           <a:p>
             <a:fld id="{B7D6DDD3-D7E9-488B-B626-1E8285E424D8}" type="datetimeFigureOut">
               <a:rPr lang="en-US" smtClean="0"/>
-              <a:t>1/21/21</a:t>
+              <a:t>9/9/21</a:t>
             </a:fld>
             <a:endParaRPr lang="en-US"/>
           </a:p>
@@ -4048,8 +4048,12 @@
           <a:lstStyle/>
           <a:p>
             <a:r>
-              <a:rPr lang="en-US" dirty="0"/>
-              <a:t>EL-GY6143:  Introduction to machine learning</a:t>
+              <a:rPr lang="en-US"/>
+              <a:t>EL-GY6143/CS-GY 6923:  </a:t>
+            </a:r>
+            <a:r>
+              <a:rPr lang="en-US" dirty="0"/>
+              <a:t>Introduction to machine learning</a:t>
             </a:r>
           </a:p>
           <a:p>
